--- a/Előadás/Bemutató.pptx
+++ b/Előadás/Bemutató.pptx
@@ -245,7 +245,7 @@
           <a:p>
             <a:fld id="{3FDFAF59-80FD-42F8-B77B-6179688B7234}" type="datetimeFigureOut">
               <a:rPr lang="de-DE" smtClean="0"/>
-              <a:t>06.03.2024</a:t>
+              <a:t>07.03.2024</a:t>
             </a:fld>
             <a:endParaRPr lang="de-DE"/>
           </a:p>
@@ -413,7 +413,7 @@
           <a:p>
             <a:fld id="{3FDFAF59-80FD-42F8-B77B-6179688B7234}" type="datetimeFigureOut">
               <a:rPr lang="de-DE" smtClean="0"/>
-              <a:t>06.03.2024</a:t>
+              <a:t>07.03.2024</a:t>
             </a:fld>
             <a:endParaRPr lang="de-DE"/>
           </a:p>
@@ -591,7 +591,7 @@
           <a:p>
             <a:fld id="{3FDFAF59-80FD-42F8-B77B-6179688B7234}" type="datetimeFigureOut">
               <a:rPr lang="de-DE" smtClean="0"/>
-              <a:t>06.03.2024</a:t>
+              <a:t>07.03.2024</a:t>
             </a:fld>
             <a:endParaRPr lang="de-DE"/>
           </a:p>
@@ -759,7 +759,7 @@
           <a:p>
             <a:fld id="{3FDFAF59-80FD-42F8-B77B-6179688B7234}" type="datetimeFigureOut">
               <a:rPr lang="de-DE" smtClean="0"/>
-              <a:t>06.03.2024</a:t>
+              <a:t>07.03.2024</a:t>
             </a:fld>
             <a:endParaRPr lang="de-DE"/>
           </a:p>
@@ -1004,7 +1004,7 @@
           <a:p>
             <a:fld id="{3FDFAF59-80FD-42F8-B77B-6179688B7234}" type="datetimeFigureOut">
               <a:rPr lang="de-DE" smtClean="0"/>
-              <a:t>06.03.2024</a:t>
+              <a:t>07.03.2024</a:t>
             </a:fld>
             <a:endParaRPr lang="de-DE"/>
           </a:p>
@@ -1233,7 +1233,7 @@
           <a:p>
             <a:fld id="{3FDFAF59-80FD-42F8-B77B-6179688B7234}" type="datetimeFigureOut">
               <a:rPr lang="de-DE" smtClean="0"/>
-              <a:t>06.03.2024</a:t>
+              <a:t>07.03.2024</a:t>
             </a:fld>
             <a:endParaRPr lang="de-DE"/>
           </a:p>
@@ -1597,7 +1597,7 @@
           <a:p>
             <a:fld id="{3FDFAF59-80FD-42F8-B77B-6179688B7234}" type="datetimeFigureOut">
               <a:rPr lang="de-DE" smtClean="0"/>
-              <a:t>06.03.2024</a:t>
+              <a:t>07.03.2024</a:t>
             </a:fld>
             <a:endParaRPr lang="de-DE"/>
           </a:p>
@@ -1714,7 +1714,7 @@
           <a:p>
             <a:fld id="{3FDFAF59-80FD-42F8-B77B-6179688B7234}" type="datetimeFigureOut">
               <a:rPr lang="de-DE" smtClean="0"/>
-              <a:t>06.03.2024</a:t>
+              <a:t>07.03.2024</a:t>
             </a:fld>
             <a:endParaRPr lang="de-DE"/>
           </a:p>
@@ -1809,7 +1809,7 @@
           <a:p>
             <a:fld id="{3FDFAF59-80FD-42F8-B77B-6179688B7234}" type="datetimeFigureOut">
               <a:rPr lang="de-DE" smtClean="0"/>
-              <a:t>06.03.2024</a:t>
+              <a:t>07.03.2024</a:t>
             </a:fld>
             <a:endParaRPr lang="de-DE"/>
           </a:p>
@@ -2084,7 +2084,7 @@
           <a:p>
             <a:fld id="{3FDFAF59-80FD-42F8-B77B-6179688B7234}" type="datetimeFigureOut">
               <a:rPr lang="de-DE" smtClean="0"/>
-              <a:t>06.03.2024</a:t>
+              <a:t>07.03.2024</a:t>
             </a:fld>
             <a:endParaRPr lang="de-DE"/>
           </a:p>
@@ -2336,7 +2336,7 @@
           <a:p>
             <a:fld id="{3FDFAF59-80FD-42F8-B77B-6179688B7234}" type="datetimeFigureOut">
               <a:rPr lang="de-DE" smtClean="0"/>
-              <a:t>06.03.2024</a:t>
+              <a:t>07.03.2024</a:t>
             </a:fld>
             <a:endParaRPr lang="de-DE"/>
           </a:p>
@@ -2550,7 +2550,7 @@
           <a:p>
             <a:fld id="{3FDFAF59-80FD-42F8-B77B-6179688B7234}" type="datetimeFigureOut">
               <a:rPr lang="de-DE" smtClean="0"/>
-              <a:t>06.03.2024</a:t>
+              <a:t>07.03.2024</a:t>
             </a:fld>
             <a:endParaRPr lang="de-DE"/>
           </a:p>
@@ -7622,13 +7622,13 @@
   <p:clrMapOvr>
     <a:masterClrMapping/>
   </p:clrMapOvr>
-  <mc:AlternateContent xmlns:mc="http://schemas.openxmlformats.org/markup-compatibility/2006">
-    <mc:Choice xmlns:p159="http://schemas.microsoft.com/office/powerpoint/2015/09/main" Requires="p159">
+  <mc:AlternateContent xmlns:mc="http://schemas.openxmlformats.org/markup-compatibility/2006" xmlns:p159="http://schemas.microsoft.com/office/powerpoint/2015/09/main">
+    <mc:Choice Requires="p159">
       <p:transition xmlns:p14="http://schemas.microsoft.com/office/powerpoint/2010/main" spd="slow" p14:dur="2000">
         <p159:morph option="byObject"/>
       </p:transition>
     </mc:Choice>
-    <mc:Fallback>
+    <mc:Fallback xmlns="">
       <p:transition spd="slow">
         <p:fade/>
       </p:transition>
@@ -8292,7 +8292,7 @@
                               <p:par>
                                 <p:cTn id="15" presetID="1" presetClass="mediacall" presetSubtype="0" fill="hold" nodeType="afterEffect">
                                   <p:stCondLst>
-                                    <p:cond delay="0"/>
+                                    <p:cond delay="1000"/>
                                   </p:stCondLst>
                                   <p:childTnLst>
                                     <p:cmd type="call" cmd="playFrom(0.0)">

--- a/Előadás/Bemutató.pptx
+++ b/Előadás/Bemutató.pptx
@@ -2986,9 +2986,20 @@
             <a:pPr algn="ctr"/>
             <a:r>
               <a:rPr lang="en-US" sz="11800" dirty="0">
-                <a:solidFill>
-                  <a:srgbClr val="FF5969"/>
-                </a:solidFill>
+                <a:gradFill>
+                  <a:gsLst>
+                    <a:gs pos="0">
+                      <a:srgbClr val="FF5969"/>
+                    </a:gs>
+                    <a:gs pos="50000">
+                      <a:srgbClr val="52CBBE"/>
+                    </a:gs>
+                    <a:gs pos="100000">
+                      <a:srgbClr val="FEC630"/>
+                    </a:gs>
+                  </a:gsLst>
+                  <a:lin ang="0" scaled="0"/>
+                </a:gradFill>
                 <a:latin typeface="Tw Cen MT" panose="020B0602020104020603" pitchFamily="34" charset="0"/>
               </a:rPr>
               <a:t>WELCOME</a:t>
@@ -2996,339 +3007,162 @@
           </a:p>
         </p:txBody>
       </p:sp>
-      <p:grpSp>
-        <p:nvGrpSpPr>
-          <p:cNvPr id="51" name="Group 50">
+      <p:sp>
+        <p:nvSpPr>
+          <p:cNvPr id="52" name="Oval 51">
             <a:extLst>
               <a:ext uri="{FF2B5EF4-FFF2-40B4-BE49-F238E27FC236}">
-                <a16:creationId xmlns:a16="http://schemas.microsoft.com/office/drawing/2014/main" id="{312CB825-EAFB-4901-8C7E-D5477E0D31C8}"/>
+                <a16:creationId xmlns:a16="http://schemas.microsoft.com/office/drawing/2014/main" id="{A88C5CD2-8D88-4E1A-968C-C3E256B4316C}"/>
               </a:ext>
             </a:extLst>
           </p:cNvPr>
-          <p:cNvGrpSpPr/>
+          <p:cNvSpPr/>
           <p:nvPr/>
-        </p:nvGrpSpPr>
-        <p:grpSpPr>
+        </p:nvSpPr>
+        <p:spPr>
           <a:xfrm>
-            <a:off x="5556262" y="4639716"/>
-            <a:ext cx="4140553" cy="451824"/>
-            <a:chOff x="4679586" y="878988"/>
-            <a:chExt cx="1745757" cy="190500"/>
+            <a:off x="7084962" y="4698359"/>
+            <a:ext cx="451824" cy="451824"/>
           </a:xfrm>
-        </p:grpSpPr>
-        <p:sp>
-          <p:nvSpPr>
-            <p:cNvPr id="52" name="Oval 51">
-              <a:extLst>
-                <a:ext uri="{FF2B5EF4-FFF2-40B4-BE49-F238E27FC236}">
-                  <a16:creationId xmlns:a16="http://schemas.microsoft.com/office/drawing/2014/main" id="{A88C5CD2-8D88-4E1A-968C-C3E256B4316C}"/>
-                </a:ext>
-              </a:extLst>
-            </p:cNvPr>
-            <p:cNvSpPr/>
-            <p:nvPr/>
-          </p:nvSpPr>
-          <p:spPr>
-            <a:xfrm>
-              <a:off x="4679586" y="878988"/>
-              <a:ext cx="190500" cy="190500"/>
-            </a:xfrm>
-            <a:prstGeom prst="ellipse">
-              <a:avLst/>
-            </a:prstGeom>
-            <a:solidFill>
-              <a:srgbClr val="FF5969"/>
-            </a:solidFill>
-            <a:ln>
-              <a:noFill/>
-            </a:ln>
-          </p:spPr>
-          <p:style>
-            <a:lnRef idx="2">
-              <a:schemeClr val="accent1">
-                <a:shade val="50000"/>
-              </a:schemeClr>
-            </a:lnRef>
-            <a:fillRef idx="1">
-              <a:schemeClr val="accent1"/>
-            </a:fillRef>
-            <a:effectRef idx="0">
-              <a:schemeClr val="accent1"/>
-            </a:effectRef>
-            <a:fontRef idx="minor">
-              <a:schemeClr val="lt1"/>
-            </a:fontRef>
-          </p:style>
-          <p:txBody>
-            <a:bodyPr rtlCol="0" anchor="ctr"/>
-            <a:lstStyle/>
-            <a:p>
-              <a:pPr algn="ctr"/>
-              <a:endParaRPr lang="en-US"/>
-            </a:p>
-          </p:txBody>
-        </p:sp>
-        <p:sp>
-          <p:nvSpPr>
-            <p:cNvPr id="53" name="Oval 52">
-              <a:extLst>
-                <a:ext uri="{FF2B5EF4-FFF2-40B4-BE49-F238E27FC236}">
-                  <a16:creationId xmlns:a16="http://schemas.microsoft.com/office/drawing/2014/main" id="{39CA212B-3524-454E-9129-17FD0E8983F0}"/>
-                </a:ext>
-              </a:extLst>
-            </p:cNvPr>
-            <p:cNvSpPr/>
-            <p:nvPr/>
-          </p:nvSpPr>
-          <p:spPr>
-            <a:xfrm>
-              <a:off x="4990736" y="878988"/>
-              <a:ext cx="190500" cy="190500"/>
-            </a:xfrm>
-            <a:prstGeom prst="ellipse">
-              <a:avLst/>
-            </a:prstGeom>
-            <a:solidFill>
-              <a:srgbClr val="52CBBE"/>
-            </a:solidFill>
-            <a:ln>
-              <a:noFill/>
-            </a:ln>
-          </p:spPr>
-          <p:style>
-            <a:lnRef idx="2">
-              <a:schemeClr val="accent1">
-                <a:shade val="50000"/>
-              </a:schemeClr>
-            </a:lnRef>
-            <a:fillRef idx="1">
-              <a:schemeClr val="accent1"/>
-            </a:fillRef>
-            <a:effectRef idx="0">
-              <a:schemeClr val="accent1"/>
-            </a:effectRef>
-            <a:fontRef idx="minor">
-              <a:schemeClr val="lt1"/>
-            </a:fontRef>
-          </p:style>
-          <p:txBody>
-            <a:bodyPr rtlCol="0" anchor="ctr"/>
-            <a:lstStyle/>
-            <a:p>
-              <a:pPr algn="ctr"/>
-              <a:endParaRPr lang="en-US"/>
-            </a:p>
-          </p:txBody>
-        </p:sp>
-        <p:sp>
-          <p:nvSpPr>
-            <p:cNvPr id="54" name="Oval 53">
-              <a:extLst>
-                <a:ext uri="{FF2B5EF4-FFF2-40B4-BE49-F238E27FC236}">
-                  <a16:creationId xmlns:a16="http://schemas.microsoft.com/office/drawing/2014/main" id="{6487D07D-4424-43AA-9CF5-4A04A38B6C2D}"/>
-                </a:ext>
-              </a:extLst>
-            </p:cNvPr>
-            <p:cNvSpPr/>
-            <p:nvPr/>
-          </p:nvSpPr>
-          <p:spPr>
-            <a:xfrm>
-              <a:off x="5301522" y="878988"/>
-              <a:ext cx="190500" cy="190500"/>
-            </a:xfrm>
-            <a:prstGeom prst="ellipse">
-              <a:avLst/>
-            </a:prstGeom>
-            <a:solidFill>
-              <a:srgbClr val="FEC630"/>
-            </a:solidFill>
-            <a:ln>
-              <a:noFill/>
-            </a:ln>
-          </p:spPr>
-          <p:style>
-            <a:lnRef idx="2">
-              <a:schemeClr val="accent1">
-                <a:shade val="50000"/>
-              </a:schemeClr>
-            </a:lnRef>
-            <a:fillRef idx="1">
-              <a:schemeClr val="accent1"/>
-            </a:fillRef>
-            <a:effectRef idx="0">
-              <a:schemeClr val="accent1"/>
-            </a:effectRef>
-            <a:fontRef idx="minor">
-              <a:schemeClr val="lt1"/>
-            </a:fontRef>
-          </p:style>
-          <p:txBody>
-            <a:bodyPr rtlCol="0" anchor="ctr"/>
-            <a:lstStyle/>
-            <a:p>
-              <a:pPr algn="ctr"/>
-              <a:endParaRPr lang="en-US" dirty="0"/>
-            </a:p>
-          </p:txBody>
-        </p:sp>
-        <p:sp>
-          <p:nvSpPr>
-            <p:cNvPr id="55" name="Oval 54">
-              <a:extLst>
-                <a:ext uri="{FF2B5EF4-FFF2-40B4-BE49-F238E27FC236}">
-                  <a16:creationId xmlns:a16="http://schemas.microsoft.com/office/drawing/2014/main" id="{51E021E3-C26E-4AB9-81EB-239E3D1BBAB2}"/>
-                </a:ext>
-              </a:extLst>
-            </p:cNvPr>
-            <p:cNvSpPr/>
-            <p:nvPr/>
-          </p:nvSpPr>
-          <p:spPr>
-            <a:xfrm>
-              <a:off x="5612308" y="878988"/>
-              <a:ext cx="190500" cy="190500"/>
-            </a:xfrm>
-            <a:prstGeom prst="ellipse">
-              <a:avLst/>
-            </a:prstGeom>
-            <a:solidFill>
-              <a:srgbClr val="5D7373"/>
-            </a:solidFill>
-            <a:ln>
-              <a:noFill/>
-            </a:ln>
-          </p:spPr>
-          <p:style>
-            <a:lnRef idx="2">
-              <a:schemeClr val="accent1">
-                <a:shade val="50000"/>
-              </a:schemeClr>
-            </a:lnRef>
-            <a:fillRef idx="1">
-              <a:schemeClr val="accent1"/>
-            </a:fillRef>
-            <a:effectRef idx="0">
-              <a:schemeClr val="accent1"/>
-            </a:effectRef>
-            <a:fontRef idx="minor">
-              <a:schemeClr val="lt1"/>
-            </a:fontRef>
-          </p:style>
-          <p:txBody>
-            <a:bodyPr rtlCol="0" anchor="ctr"/>
-            <a:lstStyle/>
-            <a:p>
-              <a:pPr algn="ctr"/>
-              <a:endParaRPr lang="en-US"/>
-            </a:p>
-          </p:txBody>
-        </p:sp>
-        <p:sp>
-          <p:nvSpPr>
-            <p:cNvPr id="56" name="Oval 55">
-              <a:extLst>
-                <a:ext uri="{FF2B5EF4-FFF2-40B4-BE49-F238E27FC236}">
-                  <a16:creationId xmlns:a16="http://schemas.microsoft.com/office/drawing/2014/main" id="{85AD4D6E-2D38-486B-8F61-738D1E4773C2}"/>
-                </a:ext>
-              </a:extLst>
-            </p:cNvPr>
-            <p:cNvSpPr/>
-            <p:nvPr/>
-          </p:nvSpPr>
-          <p:spPr>
-            <a:xfrm>
-              <a:off x="5923575" y="878988"/>
-              <a:ext cx="190500" cy="190500"/>
-            </a:xfrm>
-            <a:prstGeom prst="ellipse">
-              <a:avLst/>
-            </a:prstGeom>
-            <a:solidFill>
-              <a:srgbClr val="92D050"/>
-            </a:solidFill>
-            <a:ln>
-              <a:noFill/>
-            </a:ln>
-          </p:spPr>
-          <p:style>
-            <a:lnRef idx="2">
-              <a:schemeClr val="accent1">
-                <a:shade val="50000"/>
-              </a:schemeClr>
-            </a:lnRef>
-            <a:fillRef idx="1">
-              <a:schemeClr val="accent1"/>
-            </a:fillRef>
-            <a:effectRef idx="0">
-              <a:schemeClr val="accent1"/>
-            </a:effectRef>
-            <a:fontRef idx="minor">
-              <a:schemeClr val="lt1"/>
-            </a:fontRef>
-          </p:style>
-          <p:txBody>
-            <a:bodyPr rtlCol="0" anchor="ctr"/>
-            <a:lstStyle/>
-            <a:p>
-              <a:pPr algn="ctr"/>
-              <a:endParaRPr lang="en-US"/>
-            </a:p>
-          </p:txBody>
-        </p:sp>
-        <p:sp>
-          <p:nvSpPr>
-            <p:cNvPr id="59" name="Oval 58">
-              <a:extLst>
-                <a:ext uri="{FF2B5EF4-FFF2-40B4-BE49-F238E27FC236}">
-                  <a16:creationId xmlns:a16="http://schemas.microsoft.com/office/drawing/2014/main" id="{D88F111D-10A0-4CCB-B20B-B33508AA6193}"/>
-                </a:ext>
-              </a:extLst>
-            </p:cNvPr>
-            <p:cNvSpPr/>
-            <p:nvPr/>
-          </p:nvSpPr>
-          <p:spPr>
-            <a:xfrm>
-              <a:off x="6234843" y="878988"/>
-              <a:ext cx="190500" cy="190500"/>
-            </a:xfrm>
-            <a:prstGeom prst="ellipse">
-              <a:avLst/>
-            </a:prstGeom>
-            <a:solidFill>
-              <a:srgbClr val="00A0A8"/>
-            </a:solidFill>
-            <a:ln>
-              <a:noFill/>
-            </a:ln>
-          </p:spPr>
-          <p:style>
-            <a:lnRef idx="2">
-              <a:schemeClr val="accent1">
-                <a:shade val="50000"/>
-              </a:schemeClr>
-            </a:lnRef>
-            <a:fillRef idx="1">
-              <a:schemeClr val="accent1"/>
-            </a:fillRef>
-            <a:effectRef idx="0">
-              <a:schemeClr val="accent1"/>
-            </a:effectRef>
-            <a:fontRef idx="minor">
-              <a:schemeClr val="lt1"/>
-            </a:fontRef>
-          </p:style>
-          <p:txBody>
-            <a:bodyPr rtlCol="0" anchor="ctr"/>
-            <a:lstStyle/>
-            <a:p>
-              <a:pPr algn="ctr"/>
-              <a:endParaRPr lang="en-US"/>
-            </a:p>
-          </p:txBody>
-        </p:sp>
-      </p:grpSp>
+          <a:prstGeom prst="ellipse">
+            <a:avLst/>
+          </a:prstGeom>
+          <a:solidFill>
+            <a:srgbClr val="FF5969"/>
+          </a:solidFill>
+          <a:ln>
+            <a:noFill/>
+          </a:ln>
+        </p:spPr>
+        <p:style>
+          <a:lnRef idx="2">
+            <a:schemeClr val="accent1">
+              <a:shade val="50000"/>
+            </a:schemeClr>
+          </a:lnRef>
+          <a:fillRef idx="1">
+            <a:schemeClr val="accent1"/>
+          </a:fillRef>
+          <a:effectRef idx="0">
+            <a:schemeClr val="accent1"/>
+          </a:effectRef>
+          <a:fontRef idx="minor">
+            <a:schemeClr val="lt1"/>
+          </a:fontRef>
+        </p:style>
+        <p:txBody>
+          <a:bodyPr rtlCol="0" anchor="ctr"/>
+          <a:lstStyle/>
+          <a:p>
+            <a:pPr algn="ctr"/>
+            <a:endParaRPr lang="en-US"/>
+          </a:p>
+        </p:txBody>
+      </p:sp>
+      <p:sp>
+        <p:nvSpPr>
+          <p:cNvPr id="53" name="Oval 52">
+            <a:extLst>
+              <a:ext uri="{FF2B5EF4-FFF2-40B4-BE49-F238E27FC236}">
+                <a16:creationId xmlns:a16="http://schemas.microsoft.com/office/drawing/2014/main" id="{39CA212B-3524-454E-9129-17FD0E8983F0}"/>
+              </a:ext>
+            </a:extLst>
+          </p:cNvPr>
+          <p:cNvSpPr/>
+          <p:nvPr/>
+        </p:nvSpPr>
+        <p:spPr>
+          <a:xfrm>
+            <a:off x="7822942" y="4698359"/>
+            <a:ext cx="451824" cy="451824"/>
+          </a:xfrm>
+          <a:prstGeom prst="ellipse">
+            <a:avLst/>
+          </a:prstGeom>
+          <a:solidFill>
+            <a:srgbClr val="52CBBE"/>
+          </a:solidFill>
+          <a:ln>
+            <a:noFill/>
+          </a:ln>
+        </p:spPr>
+        <p:style>
+          <a:lnRef idx="2">
+            <a:schemeClr val="accent1">
+              <a:shade val="50000"/>
+            </a:schemeClr>
+          </a:lnRef>
+          <a:fillRef idx="1">
+            <a:schemeClr val="accent1"/>
+          </a:fillRef>
+          <a:effectRef idx="0">
+            <a:schemeClr val="accent1"/>
+          </a:effectRef>
+          <a:fontRef idx="minor">
+            <a:schemeClr val="lt1"/>
+          </a:fontRef>
+        </p:style>
+        <p:txBody>
+          <a:bodyPr rtlCol="0" anchor="ctr"/>
+          <a:lstStyle/>
+          <a:p>
+            <a:pPr algn="ctr"/>
+            <a:endParaRPr lang="en-US"/>
+          </a:p>
+        </p:txBody>
+      </p:sp>
+      <p:sp>
+        <p:nvSpPr>
+          <p:cNvPr id="54" name="Oval 53">
+            <a:extLst>
+              <a:ext uri="{FF2B5EF4-FFF2-40B4-BE49-F238E27FC236}">
+                <a16:creationId xmlns:a16="http://schemas.microsoft.com/office/drawing/2014/main" id="{6487D07D-4424-43AA-9CF5-4A04A38B6C2D}"/>
+              </a:ext>
+            </a:extLst>
+          </p:cNvPr>
+          <p:cNvSpPr/>
+          <p:nvPr/>
+        </p:nvSpPr>
+        <p:spPr>
+          <a:xfrm>
+            <a:off x="8560058" y="4698359"/>
+            <a:ext cx="451824" cy="451824"/>
+          </a:xfrm>
+          <a:prstGeom prst="ellipse">
+            <a:avLst/>
+          </a:prstGeom>
+          <a:solidFill>
+            <a:srgbClr val="FEC630"/>
+          </a:solidFill>
+          <a:ln>
+            <a:noFill/>
+          </a:ln>
+        </p:spPr>
+        <p:style>
+          <a:lnRef idx="2">
+            <a:schemeClr val="accent1">
+              <a:shade val="50000"/>
+            </a:schemeClr>
+          </a:lnRef>
+          <a:fillRef idx="1">
+            <a:schemeClr val="accent1"/>
+          </a:fillRef>
+          <a:effectRef idx="0">
+            <a:schemeClr val="accent1"/>
+          </a:effectRef>
+          <a:fontRef idx="minor">
+            <a:schemeClr val="lt1"/>
+          </a:fontRef>
+        </p:style>
+        <p:txBody>
+          <a:bodyPr rtlCol="0" anchor="ctr"/>
+          <a:lstStyle/>
+          <a:p>
+            <a:pPr algn="ctr"/>
+            <a:endParaRPr lang="en-US" dirty="0"/>
+          </a:p>
+        </p:txBody>
+      </p:sp>
       <p:sp>
         <p:nvSpPr>
           <p:cNvPr id="57" name="TextBox 56">
@@ -3359,17 +3193,17 @@
           <a:p>
             <a:pPr algn="ctr"/>
             <a:r>
-              <a:rPr lang="hu-HU" sz="4100" dirty="0">
+              <a:rPr lang="hu-HU" sz="4100" b="1" dirty="0">
                 <a:solidFill>
-                  <a:srgbClr val="52CBBE"/>
+                  <a:srgbClr val="F6B7BF"/>
                 </a:solidFill>
                 <a:latin typeface="Tw Cen MT" panose="020B0602020104020603" pitchFamily="34" charset="0"/>
               </a:rPr>
               <a:t>GYORSOLVASÓ PROJEKT</a:t>
             </a:r>
-            <a:endParaRPr lang="en-US" sz="4100" dirty="0">
+            <a:endParaRPr lang="en-US" sz="4100" b="1" dirty="0">
               <a:solidFill>
-                <a:srgbClr val="52CBBE"/>
+                <a:srgbClr val="F6B7BF"/>
               </a:solidFill>
               <a:latin typeface="Tw Cen MT" panose="020B0602020104020603" pitchFamily="34" charset="0"/>
             </a:endParaRPr>
@@ -3670,6 +3504,431 @@
       </p:transition>
     </mc:Fallback>
   </mc:AlternateContent>
+  <p:timing>
+    <p:tnLst>
+      <p:par>
+        <p:cTn id="1" dur="indefinite" restart="never" nodeType="tmRoot">
+          <p:childTnLst>
+            <p:seq concurrent="1" nextAc="seek">
+              <p:cTn id="2" dur="indefinite" nodeType="mainSeq">
+                <p:childTnLst>
+                  <p:par>
+                    <p:cTn id="3" fill="hold">
+                      <p:stCondLst>
+                        <p:cond delay="indefinite"/>
+                        <p:cond evt="onBegin" delay="0">
+                          <p:tn val="2"/>
+                        </p:cond>
+                      </p:stCondLst>
+                      <p:childTnLst>
+                        <p:par>
+                          <p:cTn id="4" fill="hold">
+                            <p:stCondLst>
+                              <p:cond delay="0"/>
+                            </p:stCondLst>
+                            <p:childTnLst>
+                              <p:par>
+                                <p:cTn id="5" presetID="14" presetClass="entr" presetSubtype="10" fill="hold" nodeType="withEffect">
+                                  <p:stCondLst>
+                                    <p:cond delay="0"/>
+                                  </p:stCondLst>
+                                  <p:childTnLst>
+                                    <p:set>
+                                      <p:cBhvr>
+                                        <p:cTn id="6" dur="1" fill="hold">
+                                          <p:stCondLst>
+                                            <p:cond delay="0"/>
+                                          </p:stCondLst>
+                                        </p:cTn>
+                                        <p:tgtEl>
+                                          <p:spTgt spid="50">
+                                            <p:txEl>
+                                              <p:pRg st="0" end="0"/>
+                                            </p:txEl>
+                                          </p:spTgt>
+                                        </p:tgtEl>
+                                        <p:attrNameLst>
+                                          <p:attrName>style.visibility</p:attrName>
+                                        </p:attrNameLst>
+                                      </p:cBhvr>
+                                      <p:to>
+                                        <p:strVal val="visible"/>
+                                      </p:to>
+                                    </p:set>
+                                    <p:animEffect transition="in" filter="randombar(horizontal)">
+                                      <p:cBhvr>
+                                        <p:cTn id="7" dur="500"/>
+                                        <p:tgtEl>
+                                          <p:spTgt spid="50">
+                                            <p:txEl>
+                                              <p:pRg st="0" end="0"/>
+                                            </p:txEl>
+                                          </p:spTgt>
+                                        </p:tgtEl>
+                                      </p:cBhvr>
+                                    </p:animEffect>
+                                  </p:childTnLst>
+                                </p:cTn>
+                              </p:par>
+                            </p:childTnLst>
+                          </p:cTn>
+                        </p:par>
+                        <p:par>
+                          <p:cTn id="8" fill="hold">
+                            <p:stCondLst>
+                              <p:cond delay="500"/>
+                            </p:stCondLst>
+                            <p:childTnLst>
+                              <p:par>
+                                <p:cTn id="9" presetID="38" presetClass="entr" presetSubtype="0" accel="50000" fill="hold" nodeType="afterEffect">
+                                  <p:stCondLst>
+                                    <p:cond delay="0"/>
+                                  </p:stCondLst>
+                                  <p:iterate type="lt">
+                                    <p:tmPct val="50000"/>
+                                  </p:iterate>
+                                  <p:childTnLst>
+                                    <p:set>
+                                      <p:cBhvr>
+                                        <p:cTn id="10" dur="1" fill="hold">
+                                          <p:stCondLst>
+                                            <p:cond delay="0"/>
+                                          </p:stCondLst>
+                                        </p:cTn>
+                                        <p:tgtEl>
+                                          <p:spTgt spid="57">
+                                            <p:txEl>
+                                              <p:pRg st="0" end="0"/>
+                                            </p:txEl>
+                                          </p:spTgt>
+                                        </p:tgtEl>
+                                        <p:attrNameLst>
+                                          <p:attrName>style.visibility</p:attrName>
+                                        </p:attrNameLst>
+                                      </p:cBhvr>
+                                      <p:to>
+                                        <p:strVal val="visible"/>
+                                      </p:to>
+                                    </p:set>
+                                    <p:set>
+                                      <p:cBhvr>
+                                        <p:cTn id="11" dur="227" fill="hold">
+                                          <p:stCondLst>
+                                            <p:cond delay="0"/>
+                                          </p:stCondLst>
+                                        </p:cTn>
+                                        <p:tgtEl>
+                                          <p:spTgt spid="57">
+                                            <p:txEl>
+                                              <p:pRg st="0" end="0"/>
+                                            </p:txEl>
+                                          </p:spTgt>
+                                        </p:tgtEl>
+                                        <p:attrNameLst>
+                                          <p:attrName>style.rotation</p:attrName>
+                                        </p:attrNameLst>
+                                      </p:cBhvr>
+                                      <p:to>
+                                        <p:strVal val="-45.0"/>
+                                      </p:to>
+                                    </p:set>
+                                    <p:anim calcmode="lin" valueType="num">
+                                      <p:cBhvr>
+                                        <p:cTn id="12" dur="227" fill="hold">
+                                          <p:stCondLst>
+                                            <p:cond delay="227"/>
+                                          </p:stCondLst>
+                                        </p:cTn>
+                                        <p:tgtEl>
+                                          <p:spTgt spid="57">
+                                            <p:txEl>
+                                              <p:pRg st="0" end="0"/>
+                                            </p:txEl>
+                                          </p:spTgt>
+                                        </p:tgtEl>
+                                        <p:attrNameLst>
+                                          <p:attrName>style.rotation</p:attrName>
+                                        </p:attrNameLst>
+                                      </p:cBhvr>
+                                      <p:tavLst>
+                                        <p:tav tm="0">
+                                          <p:val>
+                                            <p:fltVal val="-45"/>
+                                          </p:val>
+                                        </p:tav>
+                                        <p:tav tm="69900">
+                                          <p:val>
+                                            <p:fltVal val="45"/>
+                                          </p:val>
+                                        </p:tav>
+                                        <p:tav tm="100000">
+                                          <p:val>
+                                            <p:fltVal val="0"/>
+                                          </p:val>
+                                        </p:tav>
+                                      </p:tavLst>
+                                    </p:anim>
+                                    <p:anim calcmode="lin" valueType="num">
+                                      <p:cBhvr>
+                                        <p:cTn id="13" dur="227" fill="hold">
+                                          <p:stCondLst>
+                                            <p:cond delay="0"/>
+                                          </p:stCondLst>
+                                        </p:cTn>
+                                        <p:tgtEl>
+                                          <p:spTgt spid="57">
+                                            <p:txEl>
+                                              <p:pRg st="0" end="0"/>
+                                            </p:txEl>
+                                          </p:spTgt>
+                                        </p:tgtEl>
+                                        <p:attrNameLst>
+                                          <p:attrName>ppt_y</p:attrName>
+                                        </p:attrNameLst>
+                                      </p:cBhvr>
+                                      <p:tavLst>
+                                        <p:tav tm="0">
+                                          <p:val>
+                                            <p:strVal val="#ppt_y-1"/>
+                                          </p:val>
+                                        </p:tav>
+                                        <p:tav tm="100000">
+                                          <p:val>
+                                            <p:strVal val="#ppt_y-(0.354*#ppt_w-0.172*#ppt_h)"/>
+                                          </p:val>
+                                        </p:tav>
+                                      </p:tavLst>
+                                    </p:anim>
+                                    <p:anim calcmode="lin" valueType="num">
+                                      <p:cBhvr>
+                                        <p:cTn id="14" dur="78" decel="50000" autoRev="1" fill="hold">
+                                          <p:stCondLst>
+                                            <p:cond delay="227"/>
+                                          </p:stCondLst>
+                                        </p:cTn>
+                                        <p:tgtEl>
+                                          <p:spTgt spid="57">
+                                            <p:txEl>
+                                              <p:pRg st="0" end="0"/>
+                                            </p:txEl>
+                                          </p:spTgt>
+                                        </p:tgtEl>
+                                        <p:attrNameLst>
+                                          <p:attrName>ppt_y</p:attrName>
+                                        </p:attrNameLst>
+                                      </p:cBhvr>
+                                      <p:tavLst>
+                                        <p:tav tm="0">
+                                          <p:val>
+                                            <p:strVal val="#ppt_y-(0.354*#ppt_w-0.172*#ppt_h)"/>
+                                          </p:val>
+                                        </p:tav>
+                                        <p:tav tm="100000">
+                                          <p:val>
+                                            <p:strVal val="#ppt_y-(0.354*#ppt_w-0.172*#ppt_h)-#ppt_h/2"/>
+                                          </p:val>
+                                        </p:tav>
+                                      </p:tavLst>
+                                    </p:anim>
+                                    <p:anim calcmode="lin" valueType="num">
+                                      <p:cBhvr>
+                                        <p:cTn id="15" dur="68" fill="hold">
+                                          <p:stCondLst>
+                                            <p:cond delay="432"/>
+                                          </p:stCondLst>
+                                        </p:cTn>
+                                        <p:tgtEl>
+                                          <p:spTgt spid="57">
+                                            <p:txEl>
+                                              <p:pRg st="0" end="0"/>
+                                            </p:txEl>
+                                          </p:spTgt>
+                                        </p:tgtEl>
+                                        <p:attrNameLst>
+                                          <p:attrName>ppt_y</p:attrName>
+                                        </p:attrNameLst>
+                                      </p:cBhvr>
+                                      <p:tavLst>
+                                        <p:tav tm="0">
+                                          <p:val>
+                                            <p:strVal val="#ppt_y-(0.354*#ppt_w-0.172*#ppt_h)"/>
+                                          </p:val>
+                                        </p:tav>
+                                        <p:tav tm="100000">
+                                          <p:val>
+                                            <p:strVal val="#ppt_y"/>
+                                          </p:val>
+                                        </p:tav>
+                                      </p:tavLst>
+                                    </p:anim>
+                                  </p:childTnLst>
+                                </p:cTn>
+                              </p:par>
+                            </p:childTnLst>
+                          </p:cTn>
+                        </p:par>
+                        <p:par>
+                          <p:cTn id="16" fill="hold">
+                            <p:stCondLst>
+                              <p:cond delay="5250"/>
+                            </p:stCondLst>
+                            <p:childTnLst>
+                              <p:par>
+                                <p:cTn id="17" presetID="10" presetClass="entr" presetSubtype="0" fill="hold" grpId="0" nodeType="afterEffect">
+                                  <p:stCondLst>
+                                    <p:cond delay="0"/>
+                                  </p:stCondLst>
+                                  <p:childTnLst>
+                                    <p:set>
+                                      <p:cBhvr>
+                                        <p:cTn id="18" dur="1" fill="hold">
+                                          <p:stCondLst>
+                                            <p:cond delay="0"/>
+                                          </p:stCondLst>
+                                        </p:cTn>
+                                        <p:tgtEl>
+                                          <p:spTgt spid="52"/>
+                                        </p:tgtEl>
+                                        <p:attrNameLst>
+                                          <p:attrName>style.visibility</p:attrName>
+                                        </p:attrNameLst>
+                                      </p:cBhvr>
+                                      <p:to>
+                                        <p:strVal val="visible"/>
+                                      </p:to>
+                                    </p:set>
+                                    <p:animEffect transition="in" filter="fade">
+                                      <p:cBhvr>
+                                        <p:cTn id="19" dur="500"/>
+                                        <p:tgtEl>
+                                          <p:spTgt spid="52"/>
+                                        </p:tgtEl>
+                                      </p:cBhvr>
+                                    </p:animEffect>
+                                  </p:childTnLst>
+                                </p:cTn>
+                              </p:par>
+                            </p:childTnLst>
+                          </p:cTn>
+                        </p:par>
+                        <p:par>
+                          <p:cTn id="20" fill="hold">
+                            <p:stCondLst>
+                              <p:cond delay="5750"/>
+                            </p:stCondLst>
+                            <p:childTnLst>
+                              <p:par>
+                                <p:cTn id="21" presetID="10" presetClass="entr" presetSubtype="0" fill="hold" grpId="0" nodeType="afterEffect">
+                                  <p:stCondLst>
+                                    <p:cond delay="0"/>
+                                  </p:stCondLst>
+                                  <p:childTnLst>
+                                    <p:set>
+                                      <p:cBhvr>
+                                        <p:cTn id="22" dur="1" fill="hold">
+                                          <p:stCondLst>
+                                            <p:cond delay="0"/>
+                                          </p:stCondLst>
+                                        </p:cTn>
+                                        <p:tgtEl>
+                                          <p:spTgt spid="53"/>
+                                        </p:tgtEl>
+                                        <p:attrNameLst>
+                                          <p:attrName>style.visibility</p:attrName>
+                                        </p:attrNameLst>
+                                      </p:cBhvr>
+                                      <p:to>
+                                        <p:strVal val="visible"/>
+                                      </p:to>
+                                    </p:set>
+                                    <p:animEffect transition="in" filter="fade">
+                                      <p:cBhvr>
+                                        <p:cTn id="23" dur="500"/>
+                                        <p:tgtEl>
+                                          <p:spTgt spid="53"/>
+                                        </p:tgtEl>
+                                      </p:cBhvr>
+                                    </p:animEffect>
+                                  </p:childTnLst>
+                                </p:cTn>
+                              </p:par>
+                            </p:childTnLst>
+                          </p:cTn>
+                        </p:par>
+                        <p:par>
+                          <p:cTn id="24" fill="hold">
+                            <p:stCondLst>
+                              <p:cond delay="6250"/>
+                            </p:stCondLst>
+                            <p:childTnLst>
+                              <p:par>
+                                <p:cTn id="25" presetID="10" presetClass="entr" presetSubtype="0" fill="hold" grpId="0" nodeType="afterEffect">
+                                  <p:stCondLst>
+                                    <p:cond delay="0"/>
+                                  </p:stCondLst>
+                                  <p:childTnLst>
+                                    <p:set>
+                                      <p:cBhvr>
+                                        <p:cTn id="26" dur="1" fill="hold">
+                                          <p:stCondLst>
+                                            <p:cond delay="0"/>
+                                          </p:stCondLst>
+                                        </p:cTn>
+                                        <p:tgtEl>
+                                          <p:spTgt spid="54"/>
+                                        </p:tgtEl>
+                                        <p:attrNameLst>
+                                          <p:attrName>style.visibility</p:attrName>
+                                        </p:attrNameLst>
+                                      </p:cBhvr>
+                                      <p:to>
+                                        <p:strVal val="visible"/>
+                                      </p:to>
+                                    </p:set>
+                                    <p:animEffect transition="in" filter="fade">
+                                      <p:cBhvr>
+                                        <p:cTn id="27" dur="500"/>
+                                        <p:tgtEl>
+                                          <p:spTgt spid="54"/>
+                                        </p:tgtEl>
+                                      </p:cBhvr>
+                                    </p:animEffect>
+                                  </p:childTnLst>
+                                </p:cTn>
+                              </p:par>
+                            </p:childTnLst>
+                          </p:cTn>
+                        </p:par>
+                      </p:childTnLst>
+                    </p:cTn>
+                  </p:par>
+                </p:childTnLst>
+              </p:cTn>
+              <p:prevCondLst>
+                <p:cond evt="onPrev" delay="0">
+                  <p:tgtEl>
+                    <p:sldTgt/>
+                  </p:tgtEl>
+                </p:cond>
+              </p:prevCondLst>
+              <p:nextCondLst>
+                <p:cond evt="onNext" delay="0">
+                  <p:tgtEl>
+                    <p:sldTgt/>
+                  </p:tgtEl>
+                </p:cond>
+              </p:nextCondLst>
+            </p:seq>
+          </p:childTnLst>
+        </p:cTn>
+      </p:par>
+    </p:tnLst>
+    <p:bldLst>
+      <p:bldP spid="52" grpId="0" animBg="1"/>
+      <p:bldP spid="53" grpId="0" animBg="1"/>
+      <p:bldP spid="54" grpId="0" animBg="1"/>
+    </p:bldLst>
+  </p:timing>
 </p:sld>
 </file>
 
@@ -5016,6 +5275,97 @@
               </a:solidFill>
               <a:latin typeface="Tw Cen MT" panose="020B0602020104020603" pitchFamily="34" charset="0"/>
             </a:endParaRPr>
+          </a:p>
+        </p:txBody>
+      </p:sp>
+      <p:sp>
+        <p:nvSpPr>
+          <p:cNvPr id="2" name="Téglalap 1">
+            <a:extLst>
+              <a:ext uri="{FF2B5EF4-FFF2-40B4-BE49-F238E27FC236}">
+                <a16:creationId xmlns:a16="http://schemas.microsoft.com/office/drawing/2014/main" id="{479E931C-B4B2-7002-BB59-3C158B9F5E19}"/>
+              </a:ext>
+            </a:extLst>
+          </p:cNvPr>
+          <p:cNvSpPr/>
+          <p:nvPr/>
+        </p:nvSpPr>
+        <p:spPr>
+          <a:xfrm>
+            <a:off x="12548019" y="6342956"/>
+            <a:ext cx="9321979" cy="3023857"/>
+          </a:xfrm>
+          <a:prstGeom prst="rect">
+            <a:avLst/>
+          </a:prstGeom>
+          <a:solidFill>
+            <a:schemeClr val="bg1"/>
+          </a:solidFill>
+          <a:ln>
+            <a:solidFill>
+              <a:schemeClr val="bg1">
+                <a:lumMod val="65000"/>
+              </a:schemeClr>
+            </a:solidFill>
+          </a:ln>
+        </p:spPr>
+        <p:style>
+          <a:lnRef idx="2">
+            <a:schemeClr val="accent1">
+              <a:shade val="15000"/>
+            </a:schemeClr>
+          </a:lnRef>
+          <a:fillRef idx="1">
+            <a:schemeClr val="accent1"/>
+          </a:fillRef>
+          <a:effectRef idx="0">
+            <a:schemeClr val="accent1"/>
+          </a:effectRef>
+          <a:fontRef idx="minor">
+            <a:schemeClr val="lt1"/>
+          </a:fontRef>
+        </p:style>
+        <p:txBody>
+          <a:bodyPr rtlCol="0" anchor="ctr"/>
+          <a:lstStyle/>
+          <a:p>
+            <a:pPr algn="ctr"/>
+            <a:endParaRPr lang="hu-HU" dirty="0"/>
+          </a:p>
+        </p:txBody>
+      </p:sp>
+      <p:sp>
+        <p:nvSpPr>
+          <p:cNvPr id="3" name="Szövegdoboz 2">
+            <a:extLst>
+              <a:ext uri="{FF2B5EF4-FFF2-40B4-BE49-F238E27FC236}">
+                <a16:creationId xmlns:a16="http://schemas.microsoft.com/office/drawing/2014/main" id="{0D769004-7067-F638-BA32-6C29B33F4CA5}"/>
+              </a:ext>
+            </a:extLst>
+          </p:cNvPr>
+          <p:cNvSpPr txBox="1"/>
+          <p:nvPr/>
+        </p:nvSpPr>
+        <p:spPr>
+          <a:xfrm>
+            <a:off x="-2880667" y="1403991"/>
+            <a:ext cx="1959383" cy="307777"/>
+          </a:xfrm>
+          <a:prstGeom prst="rect">
+            <a:avLst/>
+          </a:prstGeom>
+          <a:noFill/>
+        </p:spPr>
+        <p:txBody>
+          <a:bodyPr wrap="none" rtlCol="0">
+            <a:spAutoFit/>
+          </a:bodyPr>
+          <a:lstStyle/>
+          <a:p>
+            <a:r>
+              <a:rPr lang="hu-HU" sz="1400" i="1" dirty="0"/>
+              <a:t>szöveg.txt - Jegyzettömb</a:t>
+            </a:r>
           </a:p>
         </p:txBody>
       </p:sp>
@@ -6139,6 +6489,62 @@
       </p:grpSpPr>
       <p:sp>
         <p:nvSpPr>
+          <p:cNvPr id="3" name="Téglalap 2">
+            <a:extLst>
+              <a:ext uri="{FF2B5EF4-FFF2-40B4-BE49-F238E27FC236}">
+                <a16:creationId xmlns:a16="http://schemas.microsoft.com/office/drawing/2014/main" id="{00218835-7B46-C5D4-344E-D8A4DDAFDF3A}"/>
+              </a:ext>
+            </a:extLst>
+          </p:cNvPr>
+          <p:cNvSpPr/>
+          <p:nvPr/>
+        </p:nvSpPr>
+        <p:spPr>
+          <a:xfrm>
+            <a:off x="1342990" y="1828800"/>
+            <a:ext cx="9321979" cy="3023857"/>
+          </a:xfrm>
+          <a:prstGeom prst="rect">
+            <a:avLst/>
+          </a:prstGeom>
+          <a:solidFill>
+            <a:schemeClr val="bg1"/>
+          </a:solidFill>
+          <a:ln>
+            <a:solidFill>
+              <a:schemeClr val="bg1">
+                <a:lumMod val="65000"/>
+              </a:schemeClr>
+            </a:solidFill>
+          </a:ln>
+        </p:spPr>
+        <p:style>
+          <a:lnRef idx="2">
+            <a:schemeClr val="accent1">
+              <a:shade val="15000"/>
+            </a:schemeClr>
+          </a:lnRef>
+          <a:fillRef idx="1">
+            <a:schemeClr val="accent1"/>
+          </a:fillRef>
+          <a:effectRef idx="0">
+            <a:schemeClr val="accent1"/>
+          </a:effectRef>
+          <a:fontRef idx="minor">
+            <a:schemeClr val="lt1"/>
+          </a:fontRef>
+        </p:style>
+        <p:txBody>
+          <a:bodyPr rtlCol="0" anchor="ctr"/>
+          <a:lstStyle/>
+          <a:p>
+            <a:pPr algn="ctr"/>
+            <a:endParaRPr lang="hu-HU" dirty="0"/>
+          </a:p>
+        </p:txBody>
+      </p:sp>
+      <p:sp>
+        <p:nvSpPr>
           <p:cNvPr id="23" name="Téglalap: lekerekített 22">
             <a:extLst>
               <a:ext uri="{FF2B5EF4-FFF2-40B4-BE49-F238E27FC236}">
@@ -6397,8 +6803,8 @@
         </p:nvSpPr>
         <p:spPr>
           <a:xfrm>
-            <a:off x="1342990" y="2997578"/>
-            <a:ext cx="8589680" cy="1631216"/>
+            <a:off x="1342990" y="2367912"/>
+            <a:ext cx="9321979" cy="1631216"/>
           </a:xfrm>
           <a:prstGeom prst="rect">
             <a:avLst/>
@@ -6416,25 +6822,7 @@
               <a:rPr lang="hu-HU" sz="2000" b="1" dirty="0">
                 <a:latin typeface="Tw Cen MT" panose="020B0602020104020603" pitchFamily="34" charset="0"/>
               </a:rPr>
-              <a:t>A Széchenyi lánchíd (a köznyelvben általában csak Lánchíd) Budapest legrégibb, egyben egyik legismertebb állandó hídja a Dunán, a magyar </a:t>
-            </a:r>
-          </a:p>
-          <a:p>
-            <a:pPr algn="just"/>
-            <a:r>
-              <a:rPr lang="hu-HU" sz="2000" b="1" dirty="0">
-                <a:latin typeface="Tw Cen MT" panose="020B0602020104020603" pitchFamily="34" charset="0"/>
-              </a:rPr>
-              <a:t>főváros egyik jelképe. Építését gróf Széchenyi István kezdeményezte és báró Sina György finanszírozta. A Lánchíd volt az első állandó híd Pest </a:t>
-            </a:r>
-          </a:p>
-          <a:p>
-            <a:pPr algn="just"/>
-            <a:r>
-              <a:rPr lang="hu-HU" sz="2000" b="1" dirty="0">
-                <a:latin typeface="Tw Cen MT" panose="020B0602020104020603" pitchFamily="34" charset="0"/>
-              </a:rPr>
-              <a:t>és Buda között, egyben a teljes magyarországi Duna-szakaszon is.</a:t>
+              <a:t>A Széchenyi lánchíd (a köznyelvben általában csak Lánchíd) Budapest legrégibb, egyben egyik legismertebb állandó hídja a Dunán, a magyar  főváros egyik jelképe. Építését gróf Széchenyi István kezdeményezte és báró Sina György finanszírozta. A Lánchíd volt az első állandó híd Pest és Buda között, egyben a teljes magyarországi Duna-szakaszon is.</a:t>
             </a:r>
             <a:endParaRPr lang="en-US" sz="2000" b="1" dirty="0">
               <a:latin typeface="Tw Cen MT" panose="020B0602020104020603" pitchFamily="34" charset="0"/>
@@ -6774,6 +7162,41 @@
           </a:fontRef>
         </p:style>
       </p:cxnSp>
+      <p:sp>
+        <p:nvSpPr>
+          <p:cNvPr id="4" name="Szövegdoboz 3">
+            <a:extLst>
+              <a:ext uri="{FF2B5EF4-FFF2-40B4-BE49-F238E27FC236}">
+                <a16:creationId xmlns:a16="http://schemas.microsoft.com/office/drawing/2014/main" id="{A4F1636F-EDE7-044C-32F3-3D38DF17BF32}"/>
+              </a:ext>
+            </a:extLst>
+          </p:cNvPr>
+          <p:cNvSpPr txBox="1"/>
+          <p:nvPr/>
+        </p:nvSpPr>
+        <p:spPr>
+          <a:xfrm>
+            <a:off x="1342990" y="1820270"/>
+            <a:ext cx="1959383" cy="307777"/>
+          </a:xfrm>
+          <a:prstGeom prst="rect">
+            <a:avLst/>
+          </a:prstGeom>
+          <a:noFill/>
+        </p:spPr>
+        <p:txBody>
+          <a:bodyPr wrap="none" rtlCol="0">
+            <a:spAutoFit/>
+          </a:bodyPr>
+          <a:lstStyle/>
+          <a:p>
+            <a:r>
+              <a:rPr lang="hu-HU" sz="1400" i="1" dirty="0"/>
+              <a:t>szöveg.txt - Jegyzettömb</a:t>
+            </a:r>
+          </a:p>
+        </p:txBody>
+      </p:sp>
     </p:spTree>
     <p:extLst>
       <p:ext uri="{BB962C8B-B14F-4D97-AF65-F5344CB8AC3E}">
@@ -6784,6 +7207,18 @@
   <p:clrMapOvr>
     <a:masterClrMapping/>
   </p:clrMapOvr>
+  <mc:AlternateContent xmlns:mc="http://schemas.openxmlformats.org/markup-compatibility/2006">
+    <mc:Choice xmlns:p159="http://schemas.microsoft.com/office/powerpoint/2015/09/main" Requires="p159">
+      <p:transition xmlns:p14="http://schemas.microsoft.com/office/powerpoint/2010/main" spd="slow" p14:dur="2000">
+        <p159:morph option="byObject"/>
+      </p:transition>
+    </mc:Choice>
+    <mc:Fallback>
+      <p:transition spd="slow">
+        <p:fade/>
+      </p:transition>
+    </mc:Fallback>
+  </mc:AlternateContent>
   <p:timing>
     <p:tnLst>
       <p:par>
@@ -7560,7 +7995,7 @@
         </p:blipFill>
         <p:spPr>
           <a:xfrm>
-            <a:off x="0" y="3480547"/>
+            <a:off x="101598" y="3480547"/>
             <a:ext cx="6408000" cy="1966094"/>
           </a:xfrm>
           <a:prstGeom prst="rect">
